--- a/Documentacao/Apresentação TCC.pptx
+++ b/Documentacao/Apresentação TCC.pptx
@@ -7,17 +7,18 @@
   <p:sldIdLst>
     <p:sldId id="256" r:id="rId5"/>
     <p:sldId id="257" r:id="rId6"/>
-    <p:sldId id="262" r:id="rId7"/>
-    <p:sldId id="258" r:id="rId8"/>
-    <p:sldId id="259" r:id="rId9"/>
-    <p:sldId id="263" r:id="rId10"/>
-    <p:sldId id="260" r:id="rId11"/>
-    <p:sldId id="264" r:id="rId12"/>
-    <p:sldId id="265" r:id="rId13"/>
-    <p:sldId id="266" r:id="rId14"/>
-    <p:sldId id="267" r:id="rId15"/>
-    <p:sldId id="268" r:id="rId16"/>
-    <p:sldId id="261" r:id="rId17"/>
+    <p:sldId id="269" r:id="rId7"/>
+    <p:sldId id="262" r:id="rId8"/>
+    <p:sldId id="258" r:id="rId9"/>
+    <p:sldId id="259" r:id="rId10"/>
+    <p:sldId id="263" r:id="rId11"/>
+    <p:sldId id="260" r:id="rId12"/>
+    <p:sldId id="264" r:id="rId13"/>
+    <p:sldId id="265" r:id="rId14"/>
+    <p:sldId id="266" r:id="rId15"/>
+    <p:sldId id="267" r:id="rId16"/>
+    <p:sldId id="268" r:id="rId17"/>
+    <p:sldId id="261" r:id="rId18"/>
   </p:sldIdLst>
   <p:sldSz cx="12192000" cy="6858000"/>
   <p:notesSz cx="6858000" cy="9144000"/>
@@ -1580,7 +1581,7 @@
         </p:nvSpPr>
         <p:spPr>
           <a:xfrm>
-            <a:off x="493208" y="1435520"/>
+            <a:off x="3324225" y="1397420"/>
             <a:ext cx="8143875" cy="723901"/>
           </a:xfrm>
           <a:prstGeom prst="rect">
@@ -1611,18 +1612,12 @@
             </a:lvl1pPr>
           </a:lstStyle>
           <a:p>
-            <a:pPr algn="l"/>
-            <a:r>
-              <a:rPr lang="pt-BR" sz="2800" b="1" dirty="0" err="1">
-                <a:latin typeface="+mn-lt"/>
-              </a:rPr>
-              <a:t>Concluido</a:t>
-            </a:r>
+            <a:pPr algn="r"/>
             <a:r>
               <a:rPr lang="pt-BR" sz="2800" b="1" dirty="0">
                 <a:latin typeface="+mn-lt"/>
               </a:rPr>
-              <a:t>!</a:t>
+              <a:t>Carrinho</a:t>
             </a:r>
           </a:p>
         </p:txBody>
@@ -1641,8 +1636,8 @@
         </p:nvSpPr>
         <p:spPr>
           <a:xfrm>
-            <a:off x="315408" y="2159421"/>
-            <a:ext cx="6543675" cy="707886"/>
+            <a:off x="5005387" y="2002748"/>
+            <a:ext cx="6543675" cy="1323439"/>
           </a:xfrm>
           <a:prstGeom prst="rect">
             <a:avLst/>
@@ -1655,19 +1650,17 @@
           </a:bodyPr>
           <a:lstStyle/>
           <a:p>
+            <a:pPr algn="r"/>
             <a:r>
               <a:rPr lang="pt-BR" sz="2000" dirty="0"/>
-              <a:t>Após adicionar os produtos desejados no</a:t>
-            </a:r>
-          </a:p>
-          <a:p>
+              <a:t>A tela do carrinho de compras do cliente.</a:t>
+            </a:r>
+          </a:p>
+          <a:p>
+            <a:pPr algn="r"/>
             <a:r>
               <a:rPr lang="pt-BR" sz="2000" dirty="0"/>
-              <a:t>carrinho, o sistema dará suas </a:t>
-            </a:r>
-            <a:r>
-              <a:rPr lang="pt-BR" sz="2000" i="1" dirty="0"/>
-              <a:t>CD Keys.</a:t>
+              <a:t>Cada cliente  possui sua própria tabela no banco de dados pra garantir que ele poderá ser acessado mesmo se o usuário sair do site e retornar em algum outro momento.</a:t>
             </a:r>
           </a:p>
         </p:txBody>
@@ -1677,7 +1670,7 @@
           <p:cNvPr id="5" name="Imagem 4">
             <a:extLst>
               <a:ext uri="{FF2B5EF4-FFF2-40B4-BE49-F238E27FC236}">
-                <a16:creationId xmlns:a16="http://schemas.microsoft.com/office/drawing/2014/main" id="{233E0ADA-4353-A8A6-87DD-98077DA068ED}"/>
+                <a16:creationId xmlns:a16="http://schemas.microsoft.com/office/drawing/2014/main" id="{8B910A46-450B-7864-ED4A-D60EBD436B95}"/>
               </a:ext>
             </a:extLst>
           </p:cNvPr>
@@ -1694,8 +1687,8 @@
         </p:blipFill>
         <p:spPr>
           <a:xfrm>
-            <a:off x="5194300" y="1641411"/>
-            <a:ext cx="4740741" cy="4342303"/>
+            <a:off x="933450" y="1397420"/>
+            <a:ext cx="3805718" cy="4602909"/>
           </a:xfrm>
           <a:prstGeom prst="rect">
             <a:avLst/>
@@ -1705,7 +1698,7 @@
     </p:spTree>
     <p:extLst>
       <p:ext uri="{BB962C8B-B14F-4D97-AF65-F5344CB8AC3E}">
-        <p14:creationId xmlns:p14="http://schemas.microsoft.com/office/powerpoint/2010/main" val="2583336531"/>
+        <p14:creationId xmlns:p14="http://schemas.microsoft.com/office/powerpoint/2010/main" val="1955153454"/>
       </p:ext>
     </p:extLst>
   </p:cSld>
@@ -1748,7 +1741,7 @@
         </p:nvSpPr>
         <p:spPr>
           <a:xfrm>
-            <a:off x="2024062" y="1435520"/>
+            <a:off x="493208" y="1435520"/>
             <a:ext cx="8143875" cy="723901"/>
           </a:xfrm>
           <a:prstGeom prst="rect">
@@ -1779,11 +1772,18 @@
             </a:lvl1pPr>
           </a:lstStyle>
           <a:p>
+            <a:pPr algn="l"/>
+            <a:r>
+              <a:rPr lang="pt-BR" sz="2800" b="1" dirty="0" err="1">
+                <a:latin typeface="+mn-lt"/>
+              </a:rPr>
+              <a:t>Concluido</a:t>
+            </a:r>
             <a:r>
               <a:rPr lang="pt-BR" sz="2800" b="1" dirty="0">
                 <a:latin typeface="+mn-lt"/>
               </a:rPr>
-              <a:t>Banco de Dados</a:t>
+              <a:t>!</a:t>
             </a:r>
           </a:p>
         </p:txBody>
@@ -1802,8 +1802,8 @@
         </p:nvSpPr>
         <p:spPr>
           <a:xfrm>
-            <a:off x="762000" y="2159421"/>
-            <a:ext cx="10566400" cy="707886"/>
+            <a:off x="315408" y="2159421"/>
+            <a:ext cx="6543675" cy="707886"/>
           </a:xfrm>
           <a:prstGeom prst="rect">
             <a:avLst/>
@@ -1818,15 +1818,168 @@
           <a:p>
             <a:r>
               <a:rPr lang="pt-BR" sz="2000" dirty="0"/>
-              <a:t>O banco de dados utilizado no sistema foi o MySQL de forma local através dos aplicativos XAMPP e do website </a:t>
-            </a:r>
-            <a:r>
-              <a:rPr lang="pt-BR" sz="2000" dirty="0" err="1"/>
-              <a:t>PhpMyAdmin</a:t>
-            </a:r>
+              <a:t>Após adicionar os produtos desejados no</a:t>
+            </a:r>
+          </a:p>
+          <a:p>
             <a:r>
               <a:rPr lang="pt-BR" sz="2000" dirty="0"/>
-              <a:t>.</a:t>
+              <a:t>carrinho, o sistema dará suas </a:t>
+            </a:r>
+            <a:r>
+              <a:rPr lang="pt-BR" sz="2000" i="1" dirty="0"/>
+              <a:t>CD Keys.</a:t>
+            </a:r>
+          </a:p>
+        </p:txBody>
+      </p:sp>
+      <p:pic>
+        <p:nvPicPr>
+          <p:cNvPr id="5" name="Imagem 4">
+            <a:extLst>
+              <a:ext uri="{FF2B5EF4-FFF2-40B4-BE49-F238E27FC236}">
+                <a16:creationId xmlns:a16="http://schemas.microsoft.com/office/drawing/2014/main" id="{233E0ADA-4353-A8A6-87DD-98077DA068ED}"/>
+              </a:ext>
+            </a:extLst>
+          </p:cNvPr>
+          <p:cNvPicPr>
+            <a:picLocks noChangeAspect="1"/>
+          </p:cNvPicPr>
+          <p:nvPr/>
+        </p:nvPicPr>
+        <p:blipFill>
+          <a:blip r:embed="rId2"/>
+          <a:stretch>
+            <a:fillRect/>
+          </a:stretch>
+        </p:blipFill>
+        <p:spPr>
+          <a:xfrm>
+            <a:off x="5194300" y="1641411"/>
+            <a:ext cx="4740741" cy="4342303"/>
+          </a:xfrm>
+          <a:prstGeom prst="rect">
+            <a:avLst/>
+          </a:prstGeom>
+        </p:spPr>
+      </p:pic>
+    </p:spTree>
+    <p:extLst>
+      <p:ext uri="{BB962C8B-B14F-4D97-AF65-F5344CB8AC3E}">
+        <p14:creationId xmlns:p14="http://schemas.microsoft.com/office/powerpoint/2010/main" val="2583336531"/>
+      </p:ext>
+    </p:extLst>
+  </p:cSld>
+  <p:clrMapOvr>
+    <a:masterClrMapping/>
+  </p:clrMapOvr>
+</p:sld>
+</file>
+
+<file path=ppt/slides/slide12.xml><?xml version="1.0" encoding="utf-8"?>
+<p:sld xmlns:a="http://schemas.openxmlformats.org/drawingml/2006/main" xmlns:r="http://schemas.openxmlformats.org/officeDocument/2006/relationships" xmlns:p="http://schemas.openxmlformats.org/presentationml/2006/main">
+  <p:cSld>
+    <p:spTree>
+      <p:nvGrpSpPr>
+        <p:cNvPr id="1" name=""/>
+        <p:cNvGrpSpPr/>
+        <p:nvPr/>
+      </p:nvGrpSpPr>
+      <p:grpSpPr>
+        <a:xfrm>
+          <a:off x="0" y="0"/>
+          <a:ext cx="0" cy="0"/>
+          <a:chOff x="0" y="0"/>
+          <a:chExt cx="0" cy="0"/>
+        </a:xfrm>
+      </p:grpSpPr>
+      <p:sp>
+        <p:nvSpPr>
+          <p:cNvPr id="2" name="Título 1">
+            <a:extLst>
+              <a:ext uri="{FF2B5EF4-FFF2-40B4-BE49-F238E27FC236}">
+                <a16:creationId xmlns:a16="http://schemas.microsoft.com/office/drawing/2014/main" id="{9AFCF096-2DCB-8C6B-EC82-A41F5C496697}"/>
+              </a:ext>
+            </a:extLst>
+          </p:cNvPr>
+          <p:cNvSpPr txBox="1">
+            <a:spLocks/>
+          </p:cNvSpPr>
+          <p:nvPr/>
+        </p:nvSpPr>
+        <p:spPr>
+          <a:xfrm>
+            <a:off x="2024062" y="1435520"/>
+            <a:ext cx="8143875" cy="723901"/>
+          </a:xfrm>
+          <a:prstGeom prst="rect">
+            <a:avLst/>
+          </a:prstGeom>
+        </p:spPr>
+        <p:txBody>
+          <a:bodyPr vert="horz" lIns="91440" tIns="45720" rIns="91440" bIns="45720" rtlCol="0" anchor="t">
+            <a:normAutofit/>
+          </a:bodyPr>
+          <a:lstStyle>
+            <a:lvl1pPr algn="ctr" defTabSz="914400" rtl="0" eaLnBrk="1" latinLnBrk="0" hangingPunct="1">
+              <a:lnSpc>
+                <a:spcPct val="90000"/>
+              </a:lnSpc>
+              <a:spcBef>
+                <a:spcPct val="0"/>
+              </a:spcBef>
+              <a:buNone/>
+              <a:defRPr sz="6000" kern="1200">
+                <a:solidFill>
+                  <a:schemeClr val="tx1"/>
+                </a:solidFill>
+                <a:latin typeface="+mj-lt"/>
+                <a:ea typeface="+mj-ea"/>
+                <a:cs typeface="+mj-cs"/>
+              </a:defRPr>
+            </a:lvl1pPr>
+          </a:lstStyle>
+          <a:p>
+            <a:r>
+              <a:rPr lang="pt-BR" sz="2800" b="1" dirty="0">
+                <a:latin typeface="+mn-lt"/>
+              </a:rPr>
+              <a:t>Banco de Dados</a:t>
+            </a:r>
+          </a:p>
+        </p:txBody>
+      </p:sp>
+      <p:sp>
+        <p:nvSpPr>
+          <p:cNvPr id="11" name="CaixaDeTexto 10">
+            <a:extLst>
+              <a:ext uri="{FF2B5EF4-FFF2-40B4-BE49-F238E27FC236}">
+                <a16:creationId xmlns:a16="http://schemas.microsoft.com/office/drawing/2014/main" id="{6800F25E-D011-8C60-059E-4BE044F8C72E}"/>
+              </a:ext>
+            </a:extLst>
+          </p:cNvPr>
+          <p:cNvSpPr txBox="1"/>
+          <p:nvPr/>
+        </p:nvSpPr>
+        <p:spPr>
+          <a:xfrm>
+            <a:off x="762000" y="2159421"/>
+            <a:ext cx="10566400" cy="707886"/>
+          </a:xfrm>
+          <a:prstGeom prst="rect">
+            <a:avLst/>
+          </a:prstGeom>
+          <a:noFill/>
+        </p:spPr>
+        <p:txBody>
+          <a:bodyPr wrap="square" rtlCol="0">
+            <a:spAutoFit/>
+          </a:bodyPr>
+          <a:lstStyle/>
+          <a:p>
+            <a:r>
+              <a:rPr lang="pt-BR" sz="2000" dirty="0"/>
+              <a:t>O banco de dados utilizado no sistema foi o MySQL de forma local através do aplicativo XAMPP e do website PhpMyAdmin.</a:t>
             </a:r>
             <a:endParaRPr lang="pt-BR" sz="2000" i="1" dirty="0"/>
           </a:p>
@@ -1892,7 +2045,7 @@
 </p:sld>
 </file>
 
-<file path=ppt/slides/slide12.xml><?xml version="1.0" encoding="utf-8"?>
+<file path=ppt/slides/slide13.xml><?xml version="1.0" encoding="utf-8"?>
 <p:sld xmlns:a="http://schemas.openxmlformats.org/drawingml/2006/main" xmlns:r="http://schemas.openxmlformats.org/officeDocument/2006/relationships" xmlns:p="http://schemas.openxmlformats.org/presentationml/2006/main">
   <p:cSld>
     <p:spTree>
@@ -1958,7 +2111,13 @@
       </p:pic>
       <p:sp>
         <p:nvSpPr>
-          <p:cNvPr id="6" name="Título 1"/>
+          <p:cNvPr id="2" name="Título 1">
+            <a:extLst>
+              <a:ext uri="{FF2B5EF4-FFF2-40B4-BE49-F238E27FC236}">
+                <a16:creationId xmlns:a16="http://schemas.microsoft.com/office/drawing/2014/main" id="{9AFCF096-2DCB-8C6B-EC82-A41F5C496697}"/>
+              </a:ext>
+            </a:extLst>
+          </p:cNvPr>
           <p:cNvSpPr txBox="1">
             <a:spLocks/>
           </p:cNvSpPr>
@@ -1966,7 +2125,7 @@
         </p:nvSpPr>
         <p:spPr>
           <a:xfrm>
-            <a:off x="933450" y="438149"/>
+            <a:off x="436562" y="1600620"/>
             <a:ext cx="8143875" cy="723901"/>
           </a:xfrm>
           <a:prstGeom prst="rect">
@@ -2000,69 +2159,9 @@
             <a:pPr algn="l"/>
             <a:r>
               <a:rPr lang="pt-BR" sz="2800" b="1" dirty="0">
-                <a:solidFill>
-                  <a:schemeClr val="bg1"/>
-                </a:solidFill>
                 <a:latin typeface="+mn-lt"/>
               </a:rPr>
-              <a:t>Título Slide (se houver)</a:t>
-            </a:r>
-          </a:p>
-        </p:txBody>
-      </p:sp>
-      <p:sp>
-        <p:nvSpPr>
-          <p:cNvPr id="2" name="Título 1">
-            <a:extLst>
-              <a:ext uri="{FF2B5EF4-FFF2-40B4-BE49-F238E27FC236}">
-                <a16:creationId xmlns:a16="http://schemas.microsoft.com/office/drawing/2014/main" id="{9AFCF096-2DCB-8C6B-EC82-A41F5C496697}"/>
-              </a:ext>
-            </a:extLst>
-          </p:cNvPr>
-          <p:cNvSpPr txBox="1">
-            <a:spLocks/>
-          </p:cNvSpPr>
-          <p:nvPr/>
-        </p:nvSpPr>
-        <p:spPr>
-          <a:xfrm>
-            <a:off x="436562" y="1600620"/>
-            <a:ext cx="8143875" cy="723901"/>
-          </a:xfrm>
-          <a:prstGeom prst="rect">
-            <a:avLst/>
-          </a:prstGeom>
-        </p:spPr>
-        <p:txBody>
-          <a:bodyPr vert="horz" lIns="91440" tIns="45720" rIns="91440" bIns="45720" rtlCol="0" anchor="t">
-            <a:normAutofit/>
-          </a:bodyPr>
-          <a:lstStyle>
-            <a:lvl1pPr algn="ctr" defTabSz="914400" rtl="0" eaLnBrk="1" latinLnBrk="0" hangingPunct="1">
-              <a:lnSpc>
-                <a:spcPct val="90000"/>
-              </a:lnSpc>
-              <a:spcBef>
-                <a:spcPct val="0"/>
-              </a:spcBef>
-              <a:buNone/>
-              <a:defRPr sz="6000" kern="1200">
-                <a:solidFill>
-                  <a:schemeClr val="tx1"/>
-                </a:solidFill>
-                <a:latin typeface="+mj-lt"/>
-                <a:ea typeface="+mj-ea"/>
-                <a:cs typeface="+mj-cs"/>
-              </a:defRPr>
-            </a:lvl1pPr>
-          </a:lstStyle>
-          <a:p>
-            <a:pPr algn="l"/>
-            <a:r>
-              <a:rPr lang="pt-BR" sz="2800" b="1" dirty="0">
-                <a:latin typeface="+mn-lt"/>
-              </a:rPr>
-              <a:t>Outras Tecnologias</a:t>
+              <a:t>Tecnologias utilizadas</a:t>
             </a:r>
           </a:p>
         </p:txBody>
@@ -2130,13 +2229,8 @@
             </a:pPr>
             <a:r>
               <a:rPr lang="pt-BR" sz="2000" dirty="0"/>
-              <a:t>Software </a:t>
-            </a:r>
-            <a:r>
-              <a:rPr lang="pt-BR" sz="2000" dirty="0" err="1"/>
-              <a:t>NodeJS</a:t>
-            </a:r>
-            <a:endParaRPr lang="pt-BR" sz="2000" dirty="0"/>
+              <a:t>Software NodeJS</a:t>
+            </a:r>
           </a:p>
         </p:txBody>
       </p:sp>
@@ -2247,7 +2341,7 @@
 </p:sld>
 </file>
 
-<file path=ppt/slides/slide13.xml><?xml version="1.0" encoding="utf-8"?>
+<file path=ppt/slides/slide14.xml><?xml version="1.0" encoding="utf-8"?>
 <p:sld xmlns:a="http://schemas.openxmlformats.org/drawingml/2006/main" xmlns:r="http://schemas.openxmlformats.org/officeDocument/2006/relationships" xmlns:p="http://schemas.openxmlformats.org/presentationml/2006/main">
   <p:cSld>
     <p:bg>
@@ -2556,6 +2650,247 @@
           <a:chExt cx="0" cy="0"/>
         </a:xfrm>
       </p:grpSpPr>
+      <p:sp>
+        <p:nvSpPr>
+          <p:cNvPr id="2" name="CaixaDeTexto 1"/>
+          <p:cNvSpPr txBox="1"/>
+          <p:nvPr/>
+        </p:nvSpPr>
+        <p:spPr>
+          <a:xfrm>
+            <a:off x="800100" y="2139950"/>
+            <a:ext cx="8143875" cy="3477875"/>
+          </a:xfrm>
+          <a:prstGeom prst="rect">
+            <a:avLst/>
+          </a:prstGeom>
+          <a:noFill/>
+        </p:spPr>
+        <p:txBody>
+          <a:bodyPr wrap="square" rtlCol="0">
+            <a:spAutoFit/>
+          </a:bodyPr>
+          <a:lstStyle/>
+          <a:p>
+            <a:pPr marL="342900" indent="-457200">
+              <a:lnSpc>
+                <a:spcPct val="200000"/>
+              </a:lnSpc>
+              <a:buFont typeface="Arial" panose="020B0604020202020204" pitchFamily="34" charset="0"/>
+              <a:buChar char="•"/>
+            </a:pPr>
+            <a:r>
+              <a:rPr lang="pt-BR" sz="2000" dirty="0"/>
+              <a:t>Vender produtos de forma automática</a:t>
+            </a:r>
+          </a:p>
+          <a:p>
+            <a:pPr marL="342900" indent="-457200">
+              <a:lnSpc>
+                <a:spcPct val="200000"/>
+              </a:lnSpc>
+              <a:buFont typeface="Arial" panose="020B0604020202020204" pitchFamily="34" charset="0"/>
+              <a:buChar char="•"/>
+            </a:pPr>
+            <a:r>
+              <a:rPr lang="pt-BR" sz="2000" dirty="0"/>
+              <a:t>Ser ágil</a:t>
+            </a:r>
+          </a:p>
+          <a:p>
+            <a:pPr marL="342900" indent="-457200">
+              <a:lnSpc>
+                <a:spcPct val="200000"/>
+              </a:lnSpc>
+              <a:buFont typeface="Arial" panose="020B0604020202020204" pitchFamily="34" charset="0"/>
+              <a:buChar char="•"/>
+            </a:pPr>
+            <a:r>
+              <a:rPr lang="pt-BR" sz="2000" dirty="0"/>
+              <a:t>Ser intuitivo para qualquer um</a:t>
+            </a:r>
+          </a:p>
+          <a:p>
+            <a:pPr marL="342900" indent="-457200">
+              <a:lnSpc>
+                <a:spcPct val="200000"/>
+              </a:lnSpc>
+              <a:buFont typeface="Arial" panose="020B0604020202020204" pitchFamily="34" charset="0"/>
+              <a:buChar char="•"/>
+            </a:pPr>
+            <a:r>
+              <a:rPr lang="pt-BR" sz="2000" dirty="0"/>
+              <a:t>Ter segurança</a:t>
+            </a:r>
+          </a:p>
+          <a:p>
+            <a:pPr marL="342900" indent="-457200">
+              <a:lnSpc>
+                <a:spcPct val="200000"/>
+              </a:lnSpc>
+              <a:buFont typeface="Arial" panose="020B0604020202020204" pitchFamily="34" charset="0"/>
+              <a:buChar char="•"/>
+            </a:pPr>
+            <a:r>
+              <a:rPr lang="pt-BR" sz="2000" dirty="0"/>
+              <a:t>Possuir preços abaixo da média</a:t>
+            </a:r>
+          </a:p>
+          <a:p>
+            <a:endParaRPr lang="pt-BR" sz="2000" dirty="0"/>
+          </a:p>
+        </p:txBody>
+      </p:sp>
+      <p:sp>
+        <p:nvSpPr>
+          <p:cNvPr id="3" name="Título 1"/>
+          <p:cNvSpPr txBox="1">
+            <a:spLocks/>
+          </p:cNvSpPr>
+          <p:nvPr/>
+        </p:nvSpPr>
+        <p:spPr>
+          <a:xfrm>
+            <a:off x="933450" y="438149"/>
+            <a:ext cx="8143875" cy="723901"/>
+          </a:xfrm>
+          <a:prstGeom prst="rect">
+            <a:avLst/>
+          </a:prstGeom>
+        </p:spPr>
+        <p:txBody>
+          <a:bodyPr vert="horz" lIns="91440" tIns="45720" rIns="91440" bIns="45720" rtlCol="0" anchor="t">
+            <a:normAutofit/>
+          </a:bodyPr>
+          <a:lstStyle>
+            <a:lvl1pPr algn="ctr" defTabSz="914400" rtl="0" eaLnBrk="1" latinLnBrk="0" hangingPunct="1">
+              <a:lnSpc>
+                <a:spcPct val="90000"/>
+              </a:lnSpc>
+              <a:spcBef>
+                <a:spcPct val="0"/>
+              </a:spcBef>
+              <a:buNone/>
+              <a:defRPr sz="6000" kern="1200">
+                <a:solidFill>
+                  <a:schemeClr val="tx1"/>
+                </a:solidFill>
+                <a:latin typeface="+mj-lt"/>
+                <a:ea typeface="+mj-ea"/>
+                <a:cs typeface="+mj-cs"/>
+              </a:defRPr>
+            </a:lvl1pPr>
+          </a:lstStyle>
+          <a:p>
+            <a:pPr algn="l"/>
+            <a:r>
+              <a:rPr lang="pt-BR" sz="2800" b="1" dirty="0">
+                <a:solidFill>
+                  <a:schemeClr val="bg1"/>
+                </a:solidFill>
+                <a:latin typeface="+mn-lt"/>
+              </a:rPr>
+              <a:t>Objetivos</a:t>
+            </a:r>
+          </a:p>
+          <a:p>
+            <a:pPr algn="l"/>
+            <a:endParaRPr lang="pt-BR" sz="2800" b="1" dirty="0">
+              <a:solidFill>
+                <a:schemeClr val="bg1"/>
+              </a:solidFill>
+              <a:latin typeface="+mn-lt"/>
+            </a:endParaRPr>
+          </a:p>
+        </p:txBody>
+      </p:sp>
+      <p:sp>
+        <p:nvSpPr>
+          <p:cNvPr id="4" name="Título 1">
+            <a:extLst>
+              <a:ext uri="{FF2B5EF4-FFF2-40B4-BE49-F238E27FC236}">
+                <a16:creationId xmlns:a16="http://schemas.microsoft.com/office/drawing/2014/main" id="{59287471-2949-C6A9-1716-A952A3CBEFCC}"/>
+              </a:ext>
+            </a:extLst>
+          </p:cNvPr>
+          <p:cNvSpPr txBox="1">
+            <a:spLocks/>
+          </p:cNvSpPr>
+          <p:nvPr/>
+        </p:nvSpPr>
+        <p:spPr>
+          <a:xfrm>
+            <a:off x="476250" y="1416049"/>
+            <a:ext cx="11239500" cy="723901"/>
+          </a:xfrm>
+          <a:prstGeom prst="rect">
+            <a:avLst/>
+          </a:prstGeom>
+        </p:spPr>
+        <p:txBody>
+          <a:bodyPr vert="horz" lIns="91440" tIns="45720" rIns="91440" bIns="45720" rtlCol="0" anchor="t">
+            <a:normAutofit/>
+          </a:bodyPr>
+          <a:lstStyle>
+            <a:lvl1pPr algn="ctr" defTabSz="914400" rtl="0" eaLnBrk="1" latinLnBrk="0" hangingPunct="1">
+              <a:lnSpc>
+                <a:spcPct val="90000"/>
+              </a:lnSpc>
+              <a:spcBef>
+                <a:spcPct val="0"/>
+              </a:spcBef>
+              <a:buNone/>
+              <a:defRPr sz="6000" kern="1200">
+                <a:solidFill>
+                  <a:schemeClr val="tx1"/>
+                </a:solidFill>
+                <a:latin typeface="+mj-lt"/>
+                <a:ea typeface="+mj-ea"/>
+                <a:cs typeface="+mj-cs"/>
+              </a:defRPr>
+            </a:lvl1pPr>
+          </a:lstStyle>
+          <a:p>
+            <a:pPr algn="l"/>
+            <a:r>
+              <a:rPr lang="pt-BR" sz="2800" b="1" dirty="0">
+                <a:latin typeface="+mn-lt"/>
+              </a:rPr>
+              <a:t>Principais objetivos do sistema</a:t>
+            </a:r>
+          </a:p>
+        </p:txBody>
+      </p:sp>
+    </p:spTree>
+    <p:extLst>
+      <p:ext uri="{BB962C8B-B14F-4D97-AF65-F5344CB8AC3E}">
+        <p14:creationId xmlns:p14="http://schemas.microsoft.com/office/powerpoint/2010/main" val="79326528"/>
+      </p:ext>
+    </p:extLst>
+  </p:cSld>
+  <p:clrMapOvr>
+    <a:masterClrMapping/>
+  </p:clrMapOvr>
+</p:sld>
+</file>
+
+<file path=ppt/slides/slide4.xml><?xml version="1.0" encoding="utf-8"?>
+<p:sld xmlns:a="http://schemas.openxmlformats.org/drawingml/2006/main" xmlns:r="http://schemas.openxmlformats.org/officeDocument/2006/relationships" xmlns:p="http://schemas.openxmlformats.org/presentationml/2006/main">
+  <p:cSld>
+    <p:spTree>
+      <p:nvGrpSpPr>
+        <p:cNvPr id="1" name=""/>
+        <p:cNvGrpSpPr/>
+        <p:nvPr/>
+      </p:nvGrpSpPr>
+      <p:grpSpPr>
+        <a:xfrm>
+          <a:off x="0" y="0"/>
+          <a:ext cx="0" cy="0"/>
+          <a:chOff x="0" y="0"/>
+          <a:chExt cx="0" cy="0"/>
+        </a:xfrm>
+      </p:grpSpPr>
       <p:pic>
         <p:nvPicPr>
           <p:cNvPr id="1026" name="Picture 2" descr="Valor do mercado de jogos eletrônicos ">
@@ -2607,188 +2942,6 @@
     <p:extLst>
       <p:ext uri="{BB962C8B-B14F-4D97-AF65-F5344CB8AC3E}">
         <p14:creationId xmlns:p14="http://schemas.microsoft.com/office/powerpoint/2010/main" val="1108248794"/>
-      </p:ext>
-    </p:extLst>
-  </p:cSld>
-  <p:clrMapOvr>
-    <a:masterClrMapping/>
-  </p:clrMapOvr>
-</p:sld>
-</file>
-
-<file path=ppt/slides/slide4.xml><?xml version="1.0" encoding="utf-8"?>
-<p:sld xmlns:a="http://schemas.openxmlformats.org/drawingml/2006/main" xmlns:r="http://schemas.openxmlformats.org/officeDocument/2006/relationships" xmlns:p="http://schemas.openxmlformats.org/presentationml/2006/main">
-  <p:cSld>
-    <p:bg>
-      <p:bgPr>
-        <a:blipFill dpi="0" rotWithShape="1">
-          <a:blip r:embed="rId2">
-            <a:lum/>
-          </a:blip>
-          <a:srcRect/>
-          <a:stretch>
-            <a:fillRect/>
-          </a:stretch>
-        </a:blipFill>
-        <a:effectLst/>
-      </p:bgPr>
-    </p:bg>
-    <p:spTree>
-      <p:nvGrpSpPr>
-        <p:cNvPr id="1" name=""/>
-        <p:cNvGrpSpPr/>
-        <p:nvPr/>
-      </p:nvGrpSpPr>
-      <p:grpSpPr>
-        <a:xfrm>
-          <a:off x="0" y="0"/>
-          <a:ext cx="0" cy="0"/>
-          <a:chOff x="0" y="0"/>
-          <a:chExt cx="0" cy="0"/>
-        </a:xfrm>
-      </p:grpSpPr>
-      <p:sp>
-        <p:nvSpPr>
-          <p:cNvPr id="3" name="CaixaDeTexto 2"/>
-          <p:cNvSpPr txBox="1"/>
-          <p:nvPr/>
-        </p:nvSpPr>
-        <p:spPr>
-          <a:xfrm>
-            <a:off x="476250" y="2139950"/>
-            <a:ext cx="9839324" cy="1015663"/>
-          </a:xfrm>
-          <a:prstGeom prst="rect">
-            <a:avLst/>
-          </a:prstGeom>
-          <a:noFill/>
-        </p:spPr>
-        <p:txBody>
-          <a:bodyPr wrap="square" rtlCol="0">
-            <a:spAutoFit/>
-          </a:bodyPr>
-          <a:lstStyle/>
-          <a:p>
-            <a:r>
-              <a:rPr lang="pt-BR" sz="2000" dirty="0"/>
-              <a:t>As compras são feitas de forma automática pelo nosso sistema.</a:t>
-            </a:r>
-          </a:p>
-          <a:p>
-            <a:r>
-              <a:rPr lang="pt-BR" sz="2000" dirty="0"/>
-              <a:t>Basta algumas informações sobre a sua forma de pagamento e o sistema automaticamente te dará o produto desejado através do sistema de chaves de ativação ou </a:t>
-            </a:r>
-            <a:r>
-              <a:rPr lang="pt-BR" sz="2000" i="1" dirty="0"/>
-              <a:t>CD Keys</a:t>
-            </a:r>
-            <a:r>
-              <a:rPr lang="pt-BR" sz="2000" dirty="0"/>
-              <a:t>.</a:t>
-            </a:r>
-          </a:p>
-        </p:txBody>
-      </p:sp>
-      <p:sp>
-        <p:nvSpPr>
-          <p:cNvPr id="4" name="Título 1">
-            <a:extLst>
-              <a:ext uri="{FF2B5EF4-FFF2-40B4-BE49-F238E27FC236}">
-                <a16:creationId xmlns:a16="http://schemas.microsoft.com/office/drawing/2014/main" id="{CA9DC7A1-7AC8-2E86-4C67-0467AC6D6094}"/>
-              </a:ext>
-            </a:extLst>
-          </p:cNvPr>
-          <p:cNvSpPr txBox="1">
-            <a:spLocks/>
-          </p:cNvSpPr>
-          <p:nvPr/>
-        </p:nvSpPr>
-        <p:spPr>
-          <a:xfrm>
-            <a:off x="476250" y="1416049"/>
-            <a:ext cx="8143875" cy="723901"/>
-          </a:xfrm>
-          <a:prstGeom prst="rect">
-            <a:avLst/>
-          </a:prstGeom>
-        </p:spPr>
-        <p:txBody>
-          <a:bodyPr vert="horz" lIns="91440" tIns="45720" rIns="91440" bIns="45720" rtlCol="0" anchor="t">
-            <a:normAutofit/>
-          </a:bodyPr>
-          <a:lstStyle>
-            <a:lvl1pPr algn="ctr" defTabSz="914400" rtl="0" eaLnBrk="1" latinLnBrk="0" hangingPunct="1">
-              <a:lnSpc>
-                <a:spcPct val="90000"/>
-              </a:lnSpc>
-              <a:spcBef>
-                <a:spcPct val="0"/>
-              </a:spcBef>
-              <a:buNone/>
-              <a:defRPr sz="6000" kern="1200">
-                <a:solidFill>
-                  <a:schemeClr val="tx1"/>
-                </a:solidFill>
-                <a:latin typeface="+mj-lt"/>
-                <a:ea typeface="+mj-ea"/>
-                <a:cs typeface="+mj-cs"/>
-              </a:defRPr>
-            </a:lvl1pPr>
-          </a:lstStyle>
-          <a:p>
-            <a:pPr algn="l"/>
-            <a:r>
-              <a:rPr lang="pt-BR" sz="2800" b="1" dirty="0">
-                <a:latin typeface="+mn-lt"/>
-              </a:rPr>
-              <a:t>E como funciona o sistema de compra?</a:t>
-            </a:r>
-          </a:p>
-        </p:txBody>
-      </p:sp>
-      <p:sp>
-        <p:nvSpPr>
-          <p:cNvPr id="5" name="CaixaDeTexto 4">
-            <a:extLst>
-              <a:ext uri="{FF2B5EF4-FFF2-40B4-BE49-F238E27FC236}">
-                <a16:creationId xmlns:a16="http://schemas.microsoft.com/office/drawing/2014/main" id="{E778D795-3373-77D5-EBE2-F1A613A7D3A3}"/>
-              </a:ext>
-            </a:extLst>
-          </p:cNvPr>
-          <p:cNvSpPr txBox="1"/>
-          <p:nvPr/>
-        </p:nvSpPr>
-        <p:spPr>
-          <a:xfrm>
-            <a:off x="647920" y="4216400"/>
-            <a:ext cx="7800533" cy="1015663"/>
-          </a:xfrm>
-          <a:prstGeom prst="rect">
-            <a:avLst/>
-          </a:prstGeom>
-          <a:noFill/>
-        </p:spPr>
-        <p:txBody>
-          <a:bodyPr wrap="none" rtlCol="0">
-            <a:spAutoFit/>
-          </a:bodyPr>
-          <a:lstStyle/>
-          <a:p>
-            <a:r>
-              <a:rPr lang="pt-BR" sz="6000" b="1" dirty="0">
-                <a:latin typeface="Bahnschrift SemiBold" panose="020B0502040204020203" pitchFamily="34" charset="0"/>
-                <a:cs typeface="Aharoni" panose="020F0502020204030204" pitchFamily="2" charset="-79"/>
-              </a:rPr>
-              <a:t>XQF2L-KP88P-TVBNK</a:t>
-            </a:r>
-          </a:p>
-        </p:txBody>
-      </p:sp>
-    </p:spTree>
-    <p:extLst>
-      <p:ext uri="{BB962C8B-B14F-4D97-AF65-F5344CB8AC3E}">
-        <p14:creationId xmlns:p14="http://schemas.microsoft.com/office/powerpoint/2010/main" val="3178741376"/>
       </p:ext>
     </p:extLst>
   </p:cSld>
@@ -2837,8 +2990,8 @@
         </p:nvSpPr>
         <p:spPr>
           <a:xfrm>
-            <a:off x="476250" y="1962150"/>
-            <a:ext cx="6543675" cy="1015663"/>
+            <a:off x="476250" y="2139950"/>
+            <a:ext cx="9839324" cy="1015663"/>
           </a:xfrm>
           <a:prstGeom prst="rect">
             <a:avLst/>
@@ -2853,31 +3006,31 @@
           <a:p>
             <a:r>
               <a:rPr lang="pt-BR" sz="2000" dirty="0"/>
-              <a:t>Aqui é onde se cadastra os usuários comuns, os clientes.</a:t>
+              <a:t>As compras são feitas de forma automática pelo nosso sistema.</a:t>
             </a:r>
           </a:p>
           <a:p>
             <a:r>
               <a:rPr lang="pt-BR" sz="2000" dirty="0"/>
-              <a:t>Usuários administradores </a:t>
-            </a:r>
-            <a:r>
-              <a:rPr lang="pt-BR" sz="2000" b="1" dirty="0"/>
-              <a:t>NÃO</a:t>
+              <a:t>Basta algumas informações sobre a sua forma de pagamento e o sistema automaticamente te dará o produto desejado através do sistema de chaves de ativação ou </a:t>
+            </a:r>
+            <a:r>
+              <a:rPr lang="pt-BR" sz="2000" i="1" dirty="0"/>
+              <a:t>CD Keys</a:t>
             </a:r>
             <a:r>
               <a:rPr lang="pt-BR" sz="2000" dirty="0"/>
-              <a:t> podem ser cadastrados  através dessa tela.</a:t>
+              <a:t>.</a:t>
             </a:r>
           </a:p>
         </p:txBody>
       </p:sp>
       <p:sp>
         <p:nvSpPr>
-          <p:cNvPr id="2" name="Título 1">
+          <p:cNvPr id="4" name="Título 1">
             <a:extLst>
               <a:ext uri="{FF2B5EF4-FFF2-40B4-BE49-F238E27FC236}">
-                <a16:creationId xmlns:a16="http://schemas.microsoft.com/office/drawing/2014/main" id="{A6205D32-09D2-C836-3373-168C6858ED24}"/>
+                <a16:creationId xmlns:a16="http://schemas.microsoft.com/office/drawing/2014/main" id="{CA9DC7A1-7AC8-2E86-4C67-0467AC6D6094}"/>
               </a:ext>
             </a:extLst>
           </p:cNvPr>
@@ -2924,77 +3077,17 @@
               <a:rPr lang="pt-BR" sz="2800" b="1" dirty="0">
                 <a:latin typeface="+mn-lt"/>
               </a:rPr>
-              <a:t>Tela de Cadastro</a:t>
+              <a:t>E como funciona o sistema de compra?</a:t>
             </a:r>
           </a:p>
         </p:txBody>
       </p:sp>
-      <p:pic>
-        <p:nvPicPr>
-          <p:cNvPr id="6" name="Imagem 5">
+      <p:sp>
+        <p:nvSpPr>
+          <p:cNvPr id="5" name="CaixaDeTexto 4">
             <a:extLst>
               <a:ext uri="{FF2B5EF4-FFF2-40B4-BE49-F238E27FC236}">
-                <a16:creationId xmlns:a16="http://schemas.microsoft.com/office/drawing/2014/main" id="{09BA0D51-B973-7FA9-2378-F070837CB25C}"/>
-              </a:ext>
-            </a:extLst>
-          </p:cNvPr>
-          <p:cNvPicPr>
-            <a:picLocks noChangeAspect="1"/>
-          </p:cNvPicPr>
-          <p:nvPr/>
-        </p:nvPicPr>
-        <p:blipFill>
-          <a:blip r:embed="rId3"/>
-          <a:stretch>
-            <a:fillRect/>
-          </a:stretch>
-        </p:blipFill>
-        <p:spPr>
-          <a:xfrm>
-            <a:off x="6847796" y="1416049"/>
-            <a:ext cx="4867954" cy="4639322"/>
-          </a:xfrm>
-          <a:prstGeom prst="rect">
-            <a:avLst/>
-          </a:prstGeom>
-        </p:spPr>
-      </p:pic>
-      <p:pic>
-        <p:nvPicPr>
-          <p:cNvPr id="10" name="Imagem 9">
-            <a:extLst>
-              <a:ext uri="{FF2B5EF4-FFF2-40B4-BE49-F238E27FC236}">
-                <a16:creationId xmlns:a16="http://schemas.microsoft.com/office/drawing/2014/main" id="{A05C17C5-AF3A-A5EA-5AB8-DC79D2EC7E8A}"/>
-              </a:ext>
-            </a:extLst>
-          </p:cNvPr>
-          <p:cNvPicPr>
-            <a:picLocks noChangeAspect="1"/>
-          </p:cNvPicPr>
-          <p:nvPr/>
-        </p:nvPicPr>
-        <p:blipFill>
-          <a:blip r:embed="rId4"/>
-          <a:stretch>
-            <a:fillRect/>
-          </a:stretch>
-        </p:blipFill>
-        <p:spPr>
-          <a:xfrm>
-            <a:off x="4116880" y="3429000"/>
-            <a:ext cx="2005234" cy="2606804"/>
-          </a:xfrm>
-          <a:prstGeom prst="rect">
-            <a:avLst/>
-          </a:prstGeom>
-        </p:spPr>
-      </p:pic>
-      <p:sp>
-        <p:nvSpPr>
-          <p:cNvPr id="11" name="CaixaDeTexto 10">
-            <a:extLst>
-              <a:ext uri="{FF2B5EF4-FFF2-40B4-BE49-F238E27FC236}">
-                <a16:creationId xmlns:a16="http://schemas.microsoft.com/office/drawing/2014/main" id="{C3DC6C68-1AB3-8A21-77D0-15B2A8330993}"/>
+                <a16:creationId xmlns:a16="http://schemas.microsoft.com/office/drawing/2014/main" id="{E778D795-3373-77D5-EBE2-F1A613A7D3A3}"/>
               </a:ext>
             </a:extLst>
           </p:cNvPr>
@@ -3003,8 +3096,84 @@
         </p:nvSpPr>
         <p:spPr>
           <a:xfrm>
-            <a:off x="476249" y="3372356"/>
-            <a:ext cx="6543675" cy="707886"/>
+            <a:off x="647920" y="4216400"/>
+            <a:ext cx="7800533" cy="1015663"/>
+          </a:xfrm>
+          <a:prstGeom prst="rect">
+            <a:avLst/>
+          </a:prstGeom>
+          <a:noFill/>
+        </p:spPr>
+        <p:txBody>
+          <a:bodyPr wrap="none" rtlCol="0">
+            <a:spAutoFit/>
+          </a:bodyPr>
+          <a:lstStyle/>
+          <a:p>
+            <a:r>
+              <a:rPr lang="pt-BR" sz="6000" b="1" dirty="0">
+                <a:latin typeface="Bahnschrift SemiBold" panose="020B0502040204020203" pitchFamily="34" charset="0"/>
+                <a:cs typeface="Aharoni" panose="020F0502020204030204" pitchFamily="2" charset="-79"/>
+              </a:rPr>
+              <a:t>XQF2L-KP88P-TVBNK</a:t>
+            </a:r>
+          </a:p>
+        </p:txBody>
+      </p:sp>
+    </p:spTree>
+    <p:extLst>
+      <p:ext uri="{BB962C8B-B14F-4D97-AF65-F5344CB8AC3E}">
+        <p14:creationId xmlns:p14="http://schemas.microsoft.com/office/powerpoint/2010/main" val="3178741376"/>
+      </p:ext>
+    </p:extLst>
+  </p:cSld>
+  <p:clrMapOvr>
+    <a:masterClrMapping/>
+  </p:clrMapOvr>
+</p:sld>
+</file>
+
+<file path=ppt/slides/slide6.xml><?xml version="1.0" encoding="utf-8"?>
+<p:sld xmlns:a="http://schemas.openxmlformats.org/drawingml/2006/main" xmlns:r="http://schemas.openxmlformats.org/officeDocument/2006/relationships" xmlns:p="http://schemas.openxmlformats.org/presentationml/2006/main">
+  <p:cSld>
+    <p:bg>
+      <p:bgPr>
+        <a:blipFill dpi="0" rotWithShape="1">
+          <a:blip r:embed="rId2">
+            <a:lum/>
+          </a:blip>
+          <a:srcRect/>
+          <a:stretch>
+            <a:fillRect/>
+          </a:stretch>
+        </a:blipFill>
+        <a:effectLst/>
+      </p:bgPr>
+    </p:bg>
+    <p:spTree>
+      <p:nvGrpSpPr>
+        <p:cNvPr id="1" name=""/>
+        <p:cNvGrpSpPr/>
+        <p:nvPr/>
+      </p:nvGrpSpPr>
+      <p:grpSpPr>
+        <a:xfrm>
+          <a:off x="0" y="0"/>
+          <a:ext cx="0" cy="0"/>
+          <a:chOff x="0" y="0"/>
+          <a:chExt cx="0" cy="0"/>
+        </a:xfrm>
+      </p:grpSpPr>
+      <p:sp>
+        <p:nvSpPr>
+          <p:cNvPr id="3" name="CaixaDeTexto 2"/>
+          <p:cNvSpPr txBox="1"/>
+          <p:nvPr/>
+        </p:nvSpPr>
+        <p:spPr>
+          <a:xfrm>
+            <a:off x="476250" y="1962150"/>
+            <a:ext cx="6543675" cy="1015663"/>
           </a:xfrm>
           <a:prstGeom prst="rect">
             <a:avLst/>
@@ -3019,23 +3188,31 @@
           <a:p>
             <a:r>
               <a:rPr lang="pt-BR" sz="2000" dirty="0"/>
-              <a:t>Alterado diretamente no banco</a:t>
+              <a:t>Aqui é onde se cadastra os usuários comuns, os clientes.</a:t>
             </a:r>
           </a:p>
           <a:p>
             <a:r>
               <a:rPr lang="pt-BR" sz="2000" dirty="0"/>
-              <a:t>De dados:</a:t>
+              <a:t>Usuários administradores </a:t>
+            </a:r>
+            <a:r>
+              <a:rPr lang="pt-BR" sz="2000" b="1" dirty="0"/>
+              <a:t>NÃO</a:t>
+            </a:r>
+            <a:r>
+              <a:rPr lang="pt-BR" sz="2000" dirty="0"/>
+              <a:t> podem ser cadastrados  através dessa tela.</a:t>
             </a:r>
           </a:p>
         </p:txBody>
       </p:sp>
       <p:sp>
         <p:nvSpPr>
-          <p:cNvPr id="12" name="Título 1">
+          <p:cNvPr id="2" name="Título 1">
             <a:extLst>
               <a:ext uri="{FF2B5EF4-FFF2-40B4-BE49-F238E27FC236}">
-                <a16:creationId xmlns:a16="http://schemas.microsoft.com/office/drawing/2014/main" id="{3395DF14-807F-E63A-9987-4F505C42434F}"/>
+                <a16:creationId xmlns:a16="http://schemas.microsoft.com/office/drawing/2014/main" id="{A6205D32-09D2-C836-3373-168C6858ED24}"/>
               </a:ext>
             </a:extLst>
           </p:cNvPr>
@@ -3046,7 +3223,7 @@
         </p:nvSpPr>
         <p:spPr>
           <a:xfrm>
-            <a:off x="608985" y="419097"/>
+            <a:off x="476250" y="1416049"/>
             <a:ext cx="8143875" cy="723901"/>
           </a:xfrm>
           <a:prstGeom prst="rect">
@@ -3080,56 +3257,89 @@
             <a:pPr algn="l"/>
             <a:r>
               <a:rPr lang="pt-BR" sz="2800" b="1" dirty="0">
-                <a:solidFill>
-                  <a:schemeClr val="bg1"/>
-                </a:solidFill>
                 <a:latin typeface="+mn-lt"/>
               </a:rPr>
-              <a:t>Telas</a:t>
+              <a:t>Tela de Cadastro</a:t>
             </a:r>
           </a:p>
         </p:txBody>
       </p:sp>
-    </p:spTree>
-    <p:extLst>
-      <p:ext uri="{BB962C8B-B14F-4D97-AF65-F5344CB8AC3E}">
-        <p14:creationId xmlns:p14="http://schemas.microsoft.com/office/powerpoint/2010/main" val="4169927910"/>
-      </p:ext>
-    </p:extLst>
-  </p:cSld>
-  <p:clrMapOvr>
-    <a:masterClrMapping/>
-  </p:clrMapOvr>
-</p:sld>
-</file>
-
-<file path=ppt/slides/slide6.xml><?xml version="1.0" encoding="utf-8"?>
-<p:sld xmlns:a="http://schemas.openxmlformats.org/drawingml/2006/main" xmlns:r="http://schemas.openxmlformats.org/officeDocument/2006/relationships" xmlns:p="http://schemas.openxmlformats.org/presentationml/2006/main">
-  <p:cSld>
-    <p:spTree>
-      <p:nvGrpSpPr>
-        <p:cNvPr id="1" name=""/>
-        <p:cNvGrpSpPr/>
-        <p:nvPr/>
-      </p:nvGrpSpPr>
-      <p:grpSpPr>
-        <a:xfrm>
-          <a:off x="0" y="0"/>
-          <a:ext cx="0" cy="0"/>
-          <a:chOff x="0" y="0"/>
-          <a:chExt cx="0" cy="0"/>
-        </a:xfrm>
-      </p:grpSpPr>
+      <p:pic>
+        <p:nvPicPr>
+          <p:cNvPr id="6" name="Imagem 5">
+            <a:extLst>
+              <a:ext uri="{FF2B5EF4-FFF2-40B4-BE49-F238E27FC236}">
+                <a16:creationId xmlns:a16="http://schemas.microsoft.com/office/drawing/2014/main" id="{09BA0D51-B973-7FA9-2378-F070837CB25C}"/>
+              </a:ext>
+            </a:extLst>
+          </p:cNvPr>
+          <p:cNvPicPr>
+            <a:picLocks noChangeAspect="1"/>
+          </p:cNvPicPr>
+          <p:nvPr/>
+        </p:nvPicPr>
+        <p:blipFill>
+          <a:blip r:embed="rId3"/>
+          <a:stretch>
+            <a:fillRect/>
+          </a:stretch>
+        </p:blipFill>
+        <p:spPr>
+          <a:xfrm>
+            <a:off x="6847796" y="1416049"/>
+            <a:ext cx="4867954" cy="4639322"/>
+          </a:xfrm>
+          <a:prstGeom prst="rect">
+            <a:avLst/>
+          </a:prstGeom>
+        </p:spPr>
+      </p:pic>
+      <p:pic>
+        <p:nvPicPr>
+          <p:cNvPr id="10" name="Imagem 9">
+            <a:extLst>
+              <a:ext uri="{FF2B5EF4-FFF2-40B4-BE49-F238E27FC236}">
+                <a16:creationId xmlns:a16="http://schemas.microsoft.com/office/drawing/2014/main" id="{A05C17C5-AF3A-A5EA-5AB8-DC79D2EC7E8A}"/>
+              </a:ext>
+            </a:extLst>
+          </p:cNvPr>
+          <p:cNvPicPr>
+            <a:picLocks noChangeAspect="1"/>
+          </p:cNvPicPr>
+          <p:nvPr/>
+        </p:nvPicPr>
+        <p:blipFill>
+          <a:blip r:embed="rId4"/>
+          <a:stretch>
+            <a:fillRect/>
+          </a:stretch>
+        </p:blipFill>
+        <p:spPr>
+          <a:xfrm>
+            <a:off x="4116880" y="3429000"/>
+            <a:ext cx="2005234" cy="2606804"/>
+          </a:xfrm>
+          <a:prstGeom prst="rect">
+            <a:avLst/>
+          </a:prstGeom>
+        </p:spPr>
+      </p:pic>
       <p:sp>
         <p:nvSpPr>
-          <p:cNvPr id="3" name="CaixaDeTexto 2"/>
+          <p:cNvPr id="11" name="CaixaDeTexto 10">
+            <a:extLst>
+              <a:ext uri="{FF2B5EF4-FFF2-40B4-BE49-F238E27FC236}">
+                <a16:creationId xmlns:a16="http://schemas.microsoft.com/office/drawing/2014/main" id="{C3DC6C68-1AB3-8A21-77D0-15B2A8330993}"/>
+              </a:ext>
+            </a:extLst>
+          </p:cNvPr>
           <p:cNvSpPr txBox="1"/>
           <p:nvPr/>
         </p:nvSpPr>
         <p:spPr>
           <a:xfrm>
-            <a:off x="5178078" y="1913381"/>
-            <a:ext cx="6543675" cy="1015663"/>
+            <a:off x="476249" y="3372356"/>
+            <a:ext cx="6543675" cy="707886"/>
           </a:xfrm>
           <a:prstGeom prst="rect">
             <a:avLst/>
@@ -3142,27 +3352,25 @@
           </a:bodyPr>
           <a:lstStyle/>
           <a:p>
-            <a:pPr algn="r"/>
             <a:r>
               <a:rPr lang="pt-BR" sz="2000" dirty="0"/>
-              <a:t>Para entrar no site, é obrigatório passar pela tela de login.</a:t>
-            </a:r>
-          </a:p>
-          <a:p>
-            <a:pPr algn="r"/>
+              <a:t>Alterado diretamente no banco</a:t>
+            </a:r>
+          </a:p>
+          <a:p>
             <a:r>
               <a:rPr lang="pt-BR" sz="2000" dirty="0"/>
-              <a:t>Ele faz a verificação se os dados coincidem no banco de dados</a:t>
+              <a:t>De dados:</a:t>
             </a:r>
           </a:p>
         </p:txBody>
       </p:sp>
       <p:sp>
         <p:nvSpPr>
-          <p:cNvPr id="2" name="Título 1">
+          <p:cNvPr id="12" name="Título 1">
             <a:extLst>
               <a:ext uri="{FF2B5EF4-FFF2-40B4-BE49-F238E27FC236}">
-                <a16:creationId xmlns:a16="http://schemas.microsoft.com/office/drawing/2014/main" id="{A6205D32-09D2-C836-3373-168C6858ED24}"/>
+                <a16:creationId xmlns:a16="http://schemas.microsoft.com/office/drawing/2014/main" id="{3395DF14-807F-E63A-9987-4F505C42434F}"/>
               </a:ext>
             </a:extLst>
           </p:cNvPr>
@@ -3173,7 +3381,7 @@
         </p:nvSpPr>
         <p:spPr>
           <a:xfrm>
-            <a:off x="3452308" y="1435520"/>
+            <a:off x="608985" y="419097"/>
             <a:ext cx="8143875" cy="723901"/>
           </a:xfrm>
           <a:prstGeom prst="rect">
@@ -3204,6 +3412,133 @@
             </a:lvl1pPr>
           </a:lstStyle>
           <a:p>
+            <a:pPr algn="l"/>
+            <a:r>
+              <a:rPr lang="pt-BR" sz="2800" b="1" dirty="0">
+                <a:solidFill>
+                  <a:schemeClr val="bg1"/>
+                </a:solidFill>
+                <a:latin typeface="+mn-lt"/>
+              </a:rPr>
+              <a:t>Telas</a:t>
+            </a:r>
+          </a:p>
+        </p:txBody>
+      </p:sp>
+    </p:spTree>
+    <p:extLst>
+      <p:ext uri="{BB962C8B-B14F-4D97-AF65-F5344CB8AC3E}">
+        <p14:creationId xmlns:p14="http://schemas.microsoft.com/office/powerpoint/2010/main" val="4169927910"/>
+      </p:ext>
+    </p:extLst>
+  </p:cSld>
+  <p:clrMapOvr>
+    <a:masterClrMapping/>
+  </p:clrMapOvr>
+</p:sld>
+</file>
+
+<file path=ppt/slides/slide7.xml><?xml version="1.0" encoding="utf-8"?>
+<p:sld xmlns:a="http://schemas.openxmlformats.org/drawingml/2006/main" xmlns:r="http://schemas.openxmlformats.org/officeDocument/2006/relationships" xmlns:p="http://schemas.openxmlformats.org/presentationml/2006/main">
+  <p:cSld>
+    <p:spTree>
+      <p:nvGrpSpPr>
+        <p:cNvPr id="1" name=""/>
+        <p:cNvGrpSpPr/>
+        <p:nvPr/>
+      </p:nvGrpSpPr>
+      <p:grpSpPr>
+        <a:xfrm>
+          <a:off x="0" y="0"/>
+          <a:ext cx="0" cy="0"/>
+          <a:chOff x="0" y="0"/>
+          <a:chExt cx="0" cy="0"/>
+        </a:xfrm>
+      </p:grpSpPr>
+      <p:sp>
+        <p:nvSpPr>
+          <p:cNvPr id="3" name="CaixaDeTexto 2"/>
+          <p:cNvSpPr txBox="1"/>
+          <p:nvPr/>
+        </p:nvSpPr>
+        <p:spPr>
+          <a:xfrm>
+            <a:off x="5178078" y="1913381"/>
+            <a:ext cx="6543675" cy="1015663"/>
+          </a:xfrm>
+          <a:prstGeom prst="rect">
+            <a:avLst/>
+          </a:prstGeom>
+          <a:noFill/>
+        </p:spPr>
+        <p:txBody>
+          <a:bodyPr wrap="square" rtlCol="0">
+            <a:spAutoFit/>
+          </a:bodyPr>
+          <a:lstStyle/>
+          <a:p>
+            <a:pPr algn="r"/>
+            <a:r>
+              <a:rPr lang="pt-BR" sz="2000" dirty="0"/>
+              <a:t>Para entrar no site, é obrigatório passar pela tela de login.</a:t>
+            </a:r>
+          </a:p>
+          <a:p>
+            <a:pPr algn="r"/>
+            <a:r>
+              <a:rPr lang="pt-BR" sz="2000" dirty="0"/>
+              <a:t>Ele faz a verificação se os dados coincidem no banco de dados</a:t>
+            </a:r>
+          </a:p>
+        </p:txBody>
+      </p:sp>
+      <p:sp>
+        <p:nvSpPr>
+          <p:cNvPr id="2" name="Título 1">
+            <a:extLst>
+              <a:ext uri="{FF2B5EF4-FFF2-40B4-BE49-F238E27FC236}">
+                <a16:creationId xmlns:a16="http://schemas.microsoft.com/office/drawing/2014/main" id="{A6205D32-09D2-C836-3373-168C6858ED24}"/>
+              </a:ext>
+            </a:extLst>
+          </p:cNvPr>
+          <p:cNvSpPr txBox="1">
+            <a:spLocks/>
+          </p:cNvSpPr>
+          <p:nvPr/>
+        </p:nvSpPr>
+        <p:spPr>
+          <a:xfrm>
+            <a:off x="3452308" y="1435520"/>
+            <a:ext cx="8143875" cy="723901"/>
+          </a:xfrm>
+          <a:prstGeom prst="rect">
+            <a:avLst/>
+          </a:prstGeom>
+        </p:spPr>
+        <p:txBody>
+          <a:bodyPr vert="horz" lIns="91440" tIns="45720" rIns="91440" bIns="45720" rtlCol="0" anchor="t">
+            <a:normAutofit/>
+          </a:bodyPr>
+          <a:lstStyle>
+            <a:lvl1pPr algn="ctr" defTabSz="914400" rtl="0" eaLnBrk="1" latinLnBrk="0" hangingPunct="1">
+              <a:lnSpc>
+                <a:spcPct val="90000"/>
+              </a:lnSpc>
+              <a:spcBef>
+                <a:spcPct val="0"/>
+              </a:spcBef>
+              <a:buNone/>
+              <a:defRPr sz="6000" kern="1200">
+                <a:solidFill>
+                  <a:schemeClr val="tx1"/>
+                </a:solidFill>
+                <a:latin typeface="+mj-lt"/>
+                <a:ea typeface="+mj-ea"/>
+                <a:cs typeface="+mj-cs"/>
+              </a:defRPr>
+            </a:lvl1pPr>
+          </a:lstStyle>
+          <a:p>
             <a:pPr algn="r"/>
             <a:r>
               <a:rPr lang="pt-BR" sz="2800" b="1" dirty="0">
@@ -3257,7 +3592,7 @@
 </p:sld>
 </file>
 
-<file path=ppt/slides/slide7.xml><?xml version="1.0" encoding="utf-8"?>
+<file path=ppt/slides/slide8.xml><?xml version="1.0" encoding="utf-8"?>
 <p:sld xmlns:a="http://schemas.openxmlformats.org/drawingml/2006/main" xmlns:r="http://schemas.openxmlformats.org/officeDocument/2006/relationships" xmlns:p="http://schemas.openxmlformats.org/presentationml/2006/main">
   <p:cSld>
     <p:bg>
@@ -3503,158 +3838,6 @@
 </p:sld>
 </file>
 
-<file path=ppt/slides/slide8.xml><?xml version="1.0" encoding="utf-8"?>
-<p:sld xmlns:a="http://schemas.openxmlformats.org/drawingml/2006/main" xmlns:r="http://schemas.openxmlformats.org/officeDocument/2006/relationships" xmlns:p="http://schemas.openxmlformats.org/presentationml/2006/main">
-  <p:cSld>
-    <p:spTree>
-      <p:nvGrpSpPr>
-        <p:cNvPr id="1" name=""/>
-        <p:cNvGrpSpPr/>
-        <p:nvPr/>
-      </p:nvGrpSpPr>
-      <p:grpSpPr>
-        <a:xfrm>
-          <a:off x="0" y="0"/>
-          <a:ext cx="0" cy="0"/>
-          <a:chOff x="0" y="0"/>
-          <a:chExt cx="0" cy="0"/>
-        </a:xfrm>
-      </p:grpSpPr>
-      <p:sp>
-        <p:nvSpPr>
-          <p:cNvPr id="2" name="Título 1">
-            <a:extLst>
-              <a:ext uri="{FF2B5EF4-FFF2-40B4-BE49-F238E27FC236}">
-                <a16:creationId xmlns:a16="http://schemas.microsoft.com/office/drawing/2014/main" id="{9AFCF096-2DCB-8C6B-EC82-A41F5C496697}"/>
-              </a:ext>
-            </a:extLst>
-          </p:cNvPr>
-          <p:cNvSpPr txBox="1">
-            <a:spLocks/>
-          </p:cNvSpPr>
-          <p:nvPr/>
-        </p:nvSpPr>
-        <p:spPr>
-          <a:xfrm>
-            <a:off x="493208" y="1435520"/>
-            <a:ext cx="8143875" cy="723901"/>
-          </a:xfrm>
-          <a:prstGeom prst="rect">
-            <a:avLst/>
-          </a:prstGeom>
-        </p:spPr>
-        <p:txBody>
-          <a:bodyPr vert="horz" lIns="91440" tIns="45720" rIns="91440" bIns="45720" rtlCol="0" anchor="t">
-            <a:normAutofit/>
-          </a:bodyPr>
-          <a:lstStyle>
-            <a:lvl1pPr algn="ctr" defTabSz="914400" rtl="0" eaLnBrk="1" latinLnBrk="0" hangingPunct="1">
-              <a:lnSpc>
-                <a:spcPct val="90000"/>
-              </a:lnSpc>
-              <a:spcBef>
-                <a:spcPct val="0"/>
-              </a:spcBef>
-              <a:buNone/>
-              <a:defRPr sz="6000" kern="1200">
-                <a:solidFill>
-                  <a:schemeClr val="tx1"/>
-                </a:solidFill>
-                <a:latin typeface="+mj-lt"/>
-                <a:ea typeface="+mj-ea"/>
-                <a:cs typeface="+mj-cs"/>
-              </a:defRPr>
-            </a:lvl1pPr>
-          </a:lstStyle>
-          <a:p>
-            <a:pPr algn="l"/>
-            <a:r>
-              <a:rPr lang="pt-BR" sz="2800" b="1" dirty="0">
-                <a:latin typeface="+mn-lt"/>
-              </a:rPr>
-              <a:t>Lista de jogos</a:t>
-            </a:r>
-          </a:p>
-        </p:txBody>
-      </p:sp>
-      <p:sp>
-        <p:nvSpPr>
-          <p:cNvPr id="11" name="CaixaDeTexto 10">
-            <a:extLst>
-              <a:ext uri="{FF2B5EF4-FFF2-40B4-BE49-F238E27FC236}">
-                <a16:creationId xmlns:a16="http://schemas.microsoft.com/office/drawing/2014/main" id="{6800F25E-D011-8C60-059E-4BE044F8C72E}"/>
-              </a:ext>
-            </a:extLst>
-          </p:cNvPr>
-          <p:cNvSpPr txBox="1"/>
-          <p:nvPr/>
-        </p:nvSpPr>
-        <p:spPr>
-          <a:xfrm>
-            <a:off x="493208" y="1925059"/>
-            <a:ext cx="6543675" cy="707886"/>
-          </a:xfrm>
-          <a:prstGeom prst="rect">
-            <a:avLst/>
-          </a:prstGeom>
-          <a:noFill/>
-        </p:spPr>
-        <p:txBody>
-          <a:bodyPr wrap="square" rtlCol="0">
-            <a:spAutoFit/>
-          </a:bodyPr>
-          <a:lstStyle/>
-          <a:p>
-            <a:r>
-              <a:rPr lang="pt-BR" sz="2000" dirty="0"/>
-              <a:t>A página inicial mostra todos os jogos do banco de dados para o cliente.</a:t>
-            </a:r>
-          </a:p>
-        </p:txBody>
-      </p:sp>
-      <p:pic>
-        <p:nvPicPr>
-          <p:cNvPr id="4" name="Imagem 3">
-            <a:extLst>
-              <a:ext uri="{FF2B5EF4-FFF2-40B4-BE49-F238E27FC236}">
-                <a16:creationId xmlns:a16="http://schemas.microsoft.com/office/drawing/2014/main" id="{B1AF4577-8DE9-9CCD-3617-535462EAB8AB}"/>
-              </a:ext>
-            </a:extLst>
-          </p:cNvPr>
-          <p:cNvPicPr>
-            <a:picLocks noChangeAspect="1"/>
-          </p:cNvPicPr>
-          <p:nvPr/>
-        </p:nvPicPr>
-        <p:blipFill>
-          <a:blip r:embed="rId2"/>
-          <a:stretch>
-            <a:fillRect/>
-          </a:stretch>
-        </p:blipFill>
-        <p:spPr>
-          <a:xfrm>
-            <a:off x="8388347" y="1435520"/>
-            <a:ext cx="2904045" cy="4521200"/>
-          </a:xfrm>
-          <a:prstGeom prst="rect">
-            <a:avLst/>
-          </a:prstGeom>
-        </p:spPr>
-      </p:pic>
-    </p:spTree>
-    <p:extLst>
-      <p:ext uri="{BB962C8B-B14F-4D97-AF65-F5344CB8AC3E}">
-        <p14:creationId xmlns:p14="http://schemas.microsoft.com/office/powerpoint/2010/main" val="2406068292"/>
-      </p:ext>
-    </p:extLst>
-  </p:cSld>
-  <p:clrMapOvr>
-    <a:masterClrMapping/>
-  </p:clrMapOvr>
-</p:sld>
-</file>
-
 <file path=ppt/slides/slide9.xml><?xml version="1.0" encoding="utf-8"?>
 <p:sld xmlns:a="http://schemas.openxmlformats.org/drawingml/2006/main" xmlns:r="http://schemas.openxmlformats.org/officeDocument/2006/relationships" xmlns:p="http://schemas.openxmlformats.org/presentationml/2006/main">
   <p:cSld>
@@ -3688,7 +3871,7 @@
         </p:nvSpPr>
         <p:spPr>
           <a:xfrm>
-            <a:off x="3324225" y="1397420"/>
+            <a:off x="493208" y="1435520"/>
             <a:ext cx="8143875" cy="723901"/>
           </a:xfrm>
           <a:prstGeom prst="rect">
@@ -3719,12 +3902,12 @@
             </a:lvl1pPr>
           </a:lstStyle>
           <a:p>
-            <a:pPr algn="r"/>
+            <a:pPr algn="l"/>
             <a:r>
               <a:rPr lang="pt-BR" sz="2800" b="1" dirty="0">
                 <a:latin typeface="+mn-lt"/>
               </a:rPr>
-              <a:t>Carrinho</a:t>
+              <a:t>Lista de jogos</a:t>
             </a:r>
           </a:p>
         </p:txBody>
@@ -3743,8 +3926,8 @@
         </p:nvSpPr>
         <p:spPr>
           <a:xfrm>
-            <a:off x="5005387" y="2002748"/>
-            <a:ext cx="6543675" cy="1323439"/>
+            <a:off x="493208" y="1925059"/>
+            <a:ext cx="6543675" cy="707886"/>
           </a:xfrm>
           <a:prstGeom prst="rect">
             <a:avLst/>
@@ -3757,27 +3940,19 @@
           </a:bodyPr>
           <a:lstStyle/>
           <a:p>
-            <a:pPr algn="r"/>
             <a:r>
               <a:rPr lang="pt-BR" sz="2000" dirty="0"/>
-              <a:t>A tela do carrinho de compras do cliente.</a:t>
-            </a:r>
-          </a:p>
-          <a:p>
-            <a:pPr algn="r"/>
-            <a:r>
-              <a:rPr lang="pt-BR" sz="2000" dirty="0"/>
-              <a:t>Cada cliente  possui sua própria tabela no banco de dados pra garantir que ele poderá ser acessado mesmo se o usuário sair do site e retornar em algum outro momento.</a:t>
+              <a:t>A página inicial mostra todos os jogos do banco de dados para o cliente.</a:t>
             </a:r>
           </a:p>
         </p:txBody>
       </p:sp>
       <p:pic>
         <p:nvPicPr>
-          <p:cNvPr id="5" name="Imagem 4">
+          <p:cNvPr id="4" name="Imagem 3">
             <a:extLst>
               <a:ext uri="{FF2B5EF4-FFF2-40B4-BE49-F238E27FC236}">
-                <a16:creationId xmlns:a16="http://schemas.microsoft.com/office/drawing/2014/main" id="{8B910A46-450B-7864-ED4A-D60EBD436B95}"/>
+                <a16:creationId xmlns:a16="http://schemas.microsoft.com/office/drawing/2014/main" id="{B1AF4577-8DE9-9CCD-3617-535462EAB8AB}"/>
               </a:ext>
             </a:extLst>
           </p:cNvPr>
@@ -3794,8 +3969,8 @@
         </p:blipFill>
         <p:spPr>
           <a:xfrm>
-            <a:off x="933450" y="1397420"/>
-            <a:ext cx="3805718" cy="4602909"/>
+            <a:off x="8388347" y="1435520"/>
+            <a:ext cx="2904045" cy="4521200"/>
           </a:xfrm>
           <a:prstGeom prst="rect">
             <a:avLst/>
@@ -3805,7 +3980,7 @@
     </p:spTree>
     <p:extLst>
       <p:ext uri="{BB962C8B-B14F-4D97-AF65-F5344CB8AC3E}">
-        <p14:creationId xmlns:p14="http://schemas.microsoft.com/office/powerpoint/2010/main" val="1955153454"/>
+        <p14:creationId xmlns:p14="http://schemas.microsoft.com/office/powerpoint/2010/main" val="2406068292"/>
       </p:ext>
     </p:extLst>
   </p:cSld>
